--- a/HW_4_Programming_Set/HW_4_Porgramming/HW-4.pptx
+++ b/HW_4_Programming_Set/HW_4_Porgramming/HW-4.pptx
@@ -213,7 +213,7 @@
           <a:p>
             <a:fld id="{CE0D6814-BD8A-CB49-BAEA-EB303211CAE9}" type="datetimeFigureOut">
               <a:rPr lang="en-US" smtClean="0"/>
-              <a:t>11/26/2020</a:t>
+              <a:t>4/22/2024</a:t>
             </a:fld>
             <a:endParaRPr lang="en-US"/>
           </a:p>
@@ -1939,8 +1939,8 @@
           </a:p>
         </p:txBody>
       </p:sp>
-      <mc:AlternateContent xmlns:mc="http://schemas.openxmlformats.org/markup-compatibility/2006">
-        <mc:Choice xmlns:a14="http://schemas.microsoft.com/office/drawing/2010/main" Requires="a14">
+      <mc:AlternateContent xmlns:mc="http://schemas.openxmlformats.org/markup-compatibility/2006" xmlns:a14="http://schemas.microsoft.com/office/drawing/2010/main">
+        <mc:Choice Requires="a14">
           <p:sp>
             <p:nvSpPr>
               <p:cNvPr id="3" name="Content Placeholder 2">
@@ -2216,7 +2216,7 @@
             </p:txBody>
           </p:sp>
         </mc:Choice>
-        <mc:Fallback>
+        <mc:Fallback xmlns="">
           <p:sp>
             <p:nvSpPr>
               <p:cNvPr id="3" name="Content Placeholder 2">
@@ -2870,13 +2870,10 @@
                     </m:r>
                     <m:r>
                       <a:rPr lang="en-US" i="1" dirty="0">
-                        <a:solidFill>
-                          <a:schemeClr val="tx1"/>
-                        </a:solidFill>
                         <a:latin typeface="Cambria Math" panose="02040503050406030204" pitchFamily="18" charset="0"/>
                         <a:ea typeface="Cambria Math" panose="02040503050406030204" pitchFamily="18" charset="0"/>
                       </a:rPr>
-                      <m:t>𝜌</m:t>
+                      <m:t>𝜎</m:t>
                     </m:r>
                     <m:d>
                       <m:dPr>
@@ -3771,8 +3768,8 @@
           </a:p>
         </p:txBody>
       </p:sp>
-      <mc:AlternateContent xmlns:mc="http://schemas.openxmlformats.org/markup-compatibility/2006">
-        <mc:Choice xmlns:a14="http://schemas.microsoft.com/office/drawing/2010/main" Requires="a14">
+      <mc:AlternateContent xmlns:mc="http://schemas.openxmlformats.org/markup-compatibility/2006" xmlns:a14="http://schemas.microsoft.com/office/drawing/2010/main">
+        <mc:Choice Requires="a14">
           <p:sp>
             <p:nvSpPr>
               <p:cNvPr id="3" name="Content Placeholder 2">
@@ -4261,7 +4258,7 @@
             </p:txBody>
           </p:sp>
         </mc:Choice>
-        <mc:Fallback>
+        <mc:Fallback xmlns="">
           <p:sp>
             <p:nvSpPr>
               <p:cNvPr id="3" name="Content Placeholder 2">
@@ -5377,20 +5374,11 @@
                       <m:t>log</m:t>
                     </m:r>
                     <m:r>
-                      <a:rPr lang="en-US" b="0" i="1" dirty="0" smtClean="0">
-                        <a:latin typeface="Cambria Math" panose="02040503050406030204" pitchFamily="18" charset="0"/>
-                      </a:rPr>
-                      <m:t> </m:t>
-                    </m:r>
-                    <m:r>
                       <a:rPr lang="en-US" i="1" dirty="0">
-                        <a:solidFill>
-                          <a:schemeClr val="tx1"/>
-                        </a:solidFill>
                         <a:latin typeface="Cambria Math" panose="02040503050406030204" pitchFamily="18" charset="0"/>
                         <a:ea typeface="Cambria Math" panose="02040503050406030204" pitchFamily="18" charset="0"/>
                       </a:rPr>
-                      <m:t>𝜌</m:t>
+                      <m:t>𝜎</m:t>
                     </m:r>
                     <m:d>
                       <m:dPr>
@@ -5606,7 +5594,7 @@
                                 <a:latin typeface="Cambria Math" panose="02040503050406030204" pitchFamily="18" charset="0"/>
                                 <a:ea typeface="Cambria Math" panose="02040503050406030204" pitchFamily="18" charset="0"/>
                               </a:rPr>
-                              <m:t>𝜌</m:t>
+                              <m:t>𝜎</m:t>
                             </m:r>
                             <m:d>
                               <m:dPr>
@@ -5741,7 +5729,7 @@
                             <a:latin typeface="Cambria Math" panose="02040503050406030204" pitchFamily="18" charset="0"/>
                             <a:ea typeface="Cambria Math" panose="02040503050406030204" pitchFamily="18" charset="0"/>
                           </a:rPr>
-                          <m:t>𝜌</m:t>
+                          <m:t>𝜎</m:t>
                         </m:r>
                         <m:d>
                           <m:dPr>
@@ -5892,7 +5880,7 @@
                         <a:latin typeface="Cambria Math" panose="02040503050406030204" pitchFamily="18" charset="0"/>
                         <a:ea typeface="Cambria Math" panose="02040503050406030204" pitchFamily="18" charset="0"/>
                       </a:rPr>
-                      <m:t>𝜌</m:t>
+                      <m:t>𝜎</m:t>
                     </m:r>
                     <m:d>
                       <m:dPr>
@@ -6052,14 +6040,14 @@
                           <m:t>−</m:t>
                         </m:r>
                         <m:r>
-                          <a:rPr lang="en-US" i="1" dirty="0">
+                          <a:rPr lang="en-US" i="1" dirty="0" smtClean="0">
                             <a:solidFill>
                               <a:srgbClr val="FF0000"/>
                             </a:solidFill>
                             <a:latin typeface="Cambria Math" panose="02040503050406030204" pitchFamily="18" charset="0"/>
                             <a:ea typeface="Cambria Math" panose="02040503050406030204" pitchFamily="18" charset="0"/>
                           </a:rPr>
-                          <m:t>𝜌</m:t>
+                          <m:t>𝜎</m:t>
                         </m:r>
                         <m:d>
                           <m:dPr>
@@ -6483,8 +6471,8 @@
           </a:p>
         </p:txBody>
       </p:sp>
-      <mc:AlternateContent xmlns:mc="http://schemas.openxmlformats.org/markup-compatibility/2006">
-        <mc:Choice xmlns:a14="http://schemas.microsoft.com/office/drawing/2010/main" Requires="a14">
+      <mc:AlternateContent xmlns:mc="http://schemas.openxmlformats.org/markup-compatibility/2006" xmlns:a14="http://schemas.microsoft.com/office/drawing/2010/main">
+        <mc:Choice Requires="a14">
           <p:sp>
             <p:nvSpPr>
               <p:cNvPr id="3" name="Content Placeholder 2">
@@ -7251,7 +7239,7 @@
             </p:txBody>
           </p:sp>
         </mc:Choice>
-        <mc:Fallback>
+        <mc:Fallback xmlns="">
           <p:sp>
             <p:nvSpPr>
               <p:cNvPr id="3" name="Content Placeholder 2">
